--- a/1.pptx
+++ b/1.pptx
@@ -11,6 +11,15 @@
     <p:sldId id="259" r:id="rId5"/>
     <p:sldId id="260" r:id="rId6"/>
     <p:sldId id="262" r:id="rId7"/>
+    <p:sldId id="263" r:id="rId8"/>
+    <p:sldId id="264" r:id="rId9"/>
+    <p:sldId id="265" r:id="rId10"/>
+    <p:sldId id="266" r:id="rId11"/>
+    <p:sldId id="267" r:id="rId12"/>
+    <p:sldId id="268" r:id="rId13"/>
+    <p:sldId id="269" r:id="rId14"/>
+    <p:sldId id="270" r:id="rId15"/>
+    <p:sldId id="271" r:id="rId16"/>
   </p:sldIdLst>
   <p:sldSz cx="12192000" cy="6858000"/>
   <p:notesSz cx="6858000" cy="9144000"/>
@@ -7672,6 +7681,428 @@
 </p:sld>
 </file>
 
+<file path=ppt/slides/slide10.xml><?xml version="1.0" encoding="utf-8"?>
+<p:sld xmlns:a="http://schemas.openxmlformats.org/drawingml/2006/main" xmlns:r="http://schemas.openxmlformats.org/officeDocument/2006/relationships" xmlns:p="http://schemas.openxmlformats.org/presentationml/2006/main">
+  <p:cSld>
+    <p:spTree>
+      <p:nvGrpSpPr>
+        <p:cNvPr id="1" name=""/>
+        <p:cNvGrpSpPr/>
+        <p:nvPr/>
+      </p:nvGrpSpPr>
+      <p:grpSpPr>
+        <a:xfrm>
+          <a:off x="0" y="0"/>
+          <a:ext cx="0" cy="0"/>
+          <a:chOff x="0" y="0"/>
+          <a:chExt cx="0" cy="0"/>
+        </a:xfrm>
+      </p:grpSpPr>
+      <p:sp>
+        <p:nvSpPr>
+          <p:cNvPr id="2" name="Title 1"/>
+          <p:cNvSpPr>
+            <a:spLocks noGrp="1"/>
+          </p:cNvSpPr>
+          <p:nvPr>
+            <p:ph type="title"/>
+          </p:nvPr>
+        </p:nvSpPr>
+        <p:spPr/>
+        <p:txBody>
+          <a:bodyPr/>
+          <a:lstStyle/>
+          <a:p>
+            <a:r>
+              <a:rPr lang="en-US" dirty="0" smtClean="0"/>
+              <a:t>ER diagram for ETD</a:t>
+            </a:r>
+            <a:endParaRPr lang="en-US" dirty="0"/>
+          </a:p>
+        </p:txBody>
+      </p:sp>
+      <p:sp>
+        <p:nvSpPr>
+          <p:cNvPr id="3" name="Content Placeholder 2"/>
+          <p:cNvSpPr>
+            <a:spLocks noGrp="1"/>
+          </p:cNvSpPr>
+          <p:nvPr>
+            <p:ph idx="1"/>
+          </p:nvPr>
+        </p:nvSpPr>
+        <p:spPr/>
+        <p:txBody>
+          <a:bodyPr/>
+          <a:lstStyle/>
+          <a:p>
+            <a:endParaRPr lang="en-US"/>
+          </a:p>
+        </p:txBody>
+      </p:sp>
+    </p:spTree>
+    <p:extLst>
+      <p:ext uri="{BB962C8B-B14F-4D97-AF65-F5344CB8AC3E}">
+        <p14:creationId xmlns:p14="http://schemas.microsoft.com/office/powerpoint/2010/main" val="1614212040"/>
+      </p:ext>
+    </p:extLst>
+  </p:cSld>
+  <p:clrMapOvr>
+    <a:masterClrMapping/>
+  </p:clrMapOvr>
+</p:sld>
+</file>
+
+<file path=ppt/slides/slide11.xml><?xml version="1.0" encoding="utf-8"?>
+<p:sld xmlns:a="http://schemas.openxmlformats.org/drawingml/2006/main" xmlns:r="http://schemas.openxmlformats.org/officeDocument/2006/relationships" xmlns:p="http://schemas.openxmlformats.org/presentationml/2006/main">
+  <p:cSld>
+    <p:spTree>
+      <p:nvGrpSpPr>
+        <p:cNvPr id="1" name=""/>
+        <p:cNvGrpSpPr/>
+        <p:nvPr/>
+      </p:nvGrpSpPr>
+      <p:grpSpPr>
+        <a:xfrm>
+          <a:off x="0" y="0"/>
+          <a:ext cx="0" cy="0"/>
+          <a:chOff x="0" y="0"/>
+          <a:chExt cx="0" cy="0"/>
+        </a:xfrm>
+      </p:grpSpPr>
+      <p:sp>
+        <p:nvSpPr>
+          <p:cNvPr id="2" name="Title 1"/>
+          <p:cNvSpPr>
+            <a:spLocks noGrp="1"/>
+          </p:cNvSpPr>
+          <p:nvPr>
+            <p:ph type="title"/>
+          </p:nvPr>
+        </p:nvSpPr>
+        <p:spPr/>
+        <p:txBody>
+          <a:bodyPr/>
+          <a:lstStyle/>
+          <a:p>
+            <a:r>
+              <a:rPr lang="en-US" dirty="0" smtClean="0"/>
+              <a:t>Use case Diagram For ETD</a:t>
+            </a:r>
+            <a:endParaRPr lang="en-US" dirty="0"/>
+          </a:p>
+        </p:txBody>
+      </p:sp>
+      <p:sp>
+        <p:nvSpPr>
+          <p:cNvPr id="3" name="Content Placeholder 2"/>
+          <p:cNvSpPr>
+            <a:spLocks noGrp="1"/>
+          </p:cNvSpPr>
+          <p:nvPr>
+            <p:ph idx="1"/>
+          </p:nvPr>
+        </p:nvSpPr>
+        <p:spPr/>
+        <p:txBody>
+          <a:bodyPr/>
+          <a:lstStyle/>
+          <a:p>
+            <a:endParaRPr lang="en-US"/>
+          </a:p>
+        </p:txBody>
+      </p:sp>
+    </p:spTree>
+    <p:extLst>
+      <p:ext uri="{BB962C8B-B14F-4D97-AF65-F5344CB8AC3E}">
+        <p14:creationId xmlns:p14="http://schemas.microsoft.com/office/powerpoint/2010/main" val="2695250412"/>
+      </p:ext>
+    </p:extLst>
+  </p:cSld>
+  <p:clrMapOvr>
+    <a:masterClrMapping/>
+  </p:clrMapOvr>
+</p:sld>
+</file>
+
+<file path=ppt/slides/slide12.xml><?xml version="1.0" encoding="utf-8"?>
+<p:sld xmlns:a="http://schemas.openxmlformats.org/drawingml/2006/main" xmlns:r="http://schemas.openxmlformats.org/officeDocument/2006/relationships" xmlns:p="http://schemas.openxmlformats.org/presentationml/2006/main">
+  <p:cSld>
+    <p:spTree>
+      <p:nvGrpSpPr>
+        <p:cNvPr id="1" name=""/>
+        <p:cNvGrpSpPr/>
+        <p:nvPr/>
+      </p:nvGrpSpPr>
+      <p:grpSpPr>
+        <a:xfrm>
+          <a:off x="0" y="0"/>
+          <a:ext cx="0" cy="0"/>
+          <a:chOff x="0" y="0"/>
+          <a:chExt cx="0" cy="0"/>
+        </a:xfrm>
+      </p:grpSpPr>
+      <p:sp>
+        <p:nvSpPr>
+          <p:cNvPr id="2" name="Title 1"/>
+          <p:cNvSpPr>
+            <a:spLocks noGrp="1"/>
+          </p:cNvSpPr>
+          <p:nvPr>
+            <p:ph type="title"/>
+          </p:nvPr>
+        </p:nvSpPr>
+        <p:spPr/>
+        <p:txBody>
+          <a:bodyPr/>
+          <a:lstStyle/>
+          <a:p>
+            <a:r>
+              <a:rPr lang="en-US" dirty="0" smtClean="0"/>
+              <a:t>Sequence Diagram For ETD</a:t>
+            </a:r>
+            <a:endParaRPr lang="en-US" dirty="0"/>
+          </a:p>
+        </p:txBody>
+      </p:sp>
+      <p:sp>
+        <p:nvSpPr>
+          <p:cNvPr id="3" name="Content Placeholder 2"/>
+          <p:cNvSpPr>
+            <a:spLocks noGrp="1"/>
+          </p:cNvSpPr>
+          <p:nvPr>
+            <p:ph idx="1"/>
+          </p:nvPr>
+        </p:nvSpPr>
+        <p:spPr/>
+        <p:txBody>
+          <a:bodyPr/>
+          <a:lstStyle/>
+          <a:p>
+            <a:endParaRPr lang="en-US"/>
+          </a:p>
+        </p:txBody>
+      </p:sp>
+    </p:spTree>
+    <p:extLst>
+      <p:ext uri="{BB962C8B-B14F-4D97-AF65-F5344CB8AC3E}">
+        <p14:creationId xmlns:p14="http://schemas.microsoft.com/office/powerpoint/2010/main" val="2913215668"/>
+      </p:ext>
+    </p:extLst>
+  </p:cSld>
+  <p:clrMapOvr>
+    <a:masterClrMapping/>
+  </p:clrMapOvr>
+</p:sld>
+</file>
+
+<file path=ppt/slides/slide13.xml><?xml version="1.0" encoding="utf-8"?>
+<p:sld xmlns:a="http://schemas.openxmlformats.org/drawingml/2006/main" xmlns:r="http://schemas.openxmlformats.org/officeDocument/2006/relationships" xmlns:p="http://schemas.openxmlformats.org/presentationml/2006/main">
+  <p:cSld>
+    <p:spTree>
+      <p:nvGrpSpPr>
+        <p:cNvPr id="1" name=""/>
+        <p:cNvGrpSpPr/>
+        <p:nvPr/>
+      </p:nvGrpSpPr>
+      <p:grpSpPr>
+        <a:xfrm>
+          <a:off x="0" y="0"/>
+          <a:ext cx="0" cy="0"/>
+          <a:chOff x="0" y="0"/>
+          <a:chExt cx="0" cy="0"/>
+        </a:xfrm>
+      </p:grpSpPr>
+      <p:sp>
+        <p:nvSpPr>
+          <p:cNvPr id="2" name="Title 1"/>
+          <p:cNvSpPr>
+            <a:spLocks noGrp="1"/>
+          </p:cNvSpPr>
+          <p:nvPr>
+            <p:ph type="title"/>
+          </p:nvPr>
+        </p:nvSpPr>
+        <p:spPr/>
+        <p:txBody>
+          <a:bodyPr/>
+          <a:lstStyle/>
+          <a:p>
+            <a:r>
+              <a:rPr lang="en-US" dirty="0" err="1" smtClean="0"/>
+              <a:t>Minestones</a:t>
+            </a:r>
+            <a:r>
+              <a:rPr lang="en-US" dirty="0" smtClean="0"/>
+              <a:t> and job distribution</a:t>
+            </a:r>
+            <a:endParaRPr lang="en-US" dirty="0"/>
+          </a:p>
+        </p:txBody>
+      </p:sp>
+      <p:sp>
+        <p:nvSpPr>
+          <p:cNvPr id="3" name="Content Placeholder 2"/>
+          <p:cNvSpPr>
+            <a:spLocks noGrp="1"/>
+          </p:cNvSpPr>
+          <p:nvPr>
+            <p:ph idx="1"/>
+          </p:nvPr>
+        </p:nvSpPr>
+        <p:spPr/>
+        <p:txBody>
+          <a:bodyPr/>
+          <a:lstStyle/>
+          <a:p>
+            <a:endParaRPr lang="en-US"/>
+          </a:p>
+        </p:txBody>
+      </p:sp>
+    </p:spTree>
+    <p:extLst>
+      <p:ext uri="{BB962C8B-B14F-4D97-AF65-F5344CB8AC3E}">
+        <p14:creationId xmlns:p14="http://schemas.microsoft.com/office/powerpoint/2010/main" val="3967389016"/>
+      </p:ext>
+    </p:extLst>
+  </p:cSld>
+  <p:clrMapOvr>
+    <a:masterClrMapping/>
+  </p:clrMapOvr>
+</p:sld>
+</file>
+
+<file path=ppt/slides/slide14.xml><?xml version="1.0" encoding="utf-8"?>
+<p:sld xmlns:a="http://schemas.openxmlformats.org/drawingml/2006/main" xmlns:r="http://schemas.openxmlformats.org/officeDocument/2006/relationships" xmlns:p="http://schemas.openxmlformats.org/presentationml/2006/main">
+  <p:cSld>
+    <p:spTree>
+      <p:nvGrpSpPr>
+        <p:cNvPr id="1" name=""/>
+        <p:cNvGrpSpPr/>
+        <p:nvPr/>
+      </p:nvGrpSpPr>
+      <p:grpSpPr>
+        <a:xfrm>
+          <a:off x="0" y="0"/>
+          <a:ext cx="0" cy="0"/>
+          <a:chOff x="0" y="0"/>
+          <a:chExt cx="0" cy="0"/>
+        </a:xfrm>
+      </p:grpSpPr>
+      <p:sp>
+        <p:nvSpPr>
+          <p:cNvPr id="2" name="Title 1"/>
+          <p:cNvSpPr>
+            <a:spLocks noGrp="1"/>
+          </p:cNvSpPr>
+          <p:nvPr>
+            <p:ph type="title"/>
+          </p:nvPr>
+        </p:nvSpPr>
+        <p:spPr/>
+        <p:txBody>
+          <a:bodyPr/>
+          <a:lstStyle/>
+          <a:p>
+            <a:r>
+              <a:rPr lang="en-US" dirty="0" smtClean="0"/>
+              <a:t>Conclusion</a:t>
+            </a:r>
+            <a:endParaRPr lang="en-US" dirty="0"/>
+          </a:p>
+        </p:txBody>
+      </p:sp>
+      <p:sp>
+        <p:nvSpPr>
+          <p:cNvPr id="3" name="Content Placeholder 2"/>
+          <p:cNvSpPr>
+            <a:spLocks noGrp="1"/>
+          </p:cNvSpPr>
+          <p:nvPr>
+            <p:ph idx="1"/>
+          </p:nvPr>
+        </p:nvSpPr>
+        <p:spPr/>
+        <p:txBody>
+          <a:bodyPr/>
+          <a:lstStyle/>
+          <a:p>
+            <a:endParaRPr lang="en-US"/>
+          </a:p>
+        </p:txBody>
+      </p:sp>
+    </p:spTree>
+    <p:extLst>
+      <p:ext uri="{BB962C8B-B14F-4D97-AF65-F5344CB8AC3E}">
+        <p14:creationId xmlns:p14="http://schemas.microsoft.com/office/powerpoint/2010/main" val="1796529889"/>
+      </p:ext>
+    </p:extLst>
+  </p:cSld>
+  <p:clrMapOvr>
+    <a:masterClrMapping/>
+  </p:clrMapOvr>
+</p:sld>
+</file>
+
+<file path=ppt/slides/slide15.xml><?xml version="1.0" encoding="utf-8"?>
+<p:sld xmlns:a="http://schemas.openxmlformats.org/drawingml/2006/main" xmlns:r="http://schemas.openxmlformats.org/officeDocument/2006/relationships" xmlns:p="http://schemas.openxmlformats.org/presentationml/2006/main">
+  <p:cSld>
+    <p:spTree>
+      <p:nvGrpSpPr>
+        <p:cNvPr id="1" name=""/>
+        <p:cNvGrpSpPr/>
+        <p:nvPr/>
+      </p:nvGrpSpPr>
+      <p:grpSpPr>
+        <a:xfrm>
+          <a:off x="0" y="0"/>
+          <a:ext cx="0" cy="0"/>
+          <a:chOff x="0" y="0"/>
+          <a:chExt cx="0" cy="0"/>
+        </a:xfrm>
+      </p:grpSpPr>
+      <p:sp>
+        <p:nvSpPr>
+          <p:cNvPr id="2" name="Title 1"/>
+          <p:cNvSpPr>
+            <a:spLocks noGrp="1"/>
+          </p:cNvSpPr>
+          <p:nvPr>
+            <p:ph type="title"/>
+          </p:nvPr>
+        </p:nvSpPr>
+        <p:spPr>
+          <a:xfrm>
+            <a:off x="3217333" y="2768998"/>
+            <a:ext cx="8772701" cy="843446"/>
+          </a:xfrm>
+        </p:spPr>
+        <p:txBody>
+          <a:bodyPr/>
+          <a:lstStyle/>
+          <a:p>
+            <a:r>
+              <a:rPr lang="en-US" dirty="0" smtClean="0"/>
+              <a:t>Thanks For Your Attention!</a:t>
+            </a:r>
+            <a:endParaRPr lang="en-US" dirty="0"/>
+          </a:p>
+        </p:txBody>
+      </p:sp>
+    </p:spTree>
+    <p:extLst>
+      <p:ext uri="{BB962C8B-B14F-4D97-AF65-F5344CB8AC3E}">
+        <p14:creationId xmlns:p14="http://schemas.microsoft.com/office/powerpoint/2010/main" val="317149102"/>
+      </p:ext>
+    </p:extLst>
+  </p:cSld>
+  <p:clrMapOvr>
+    <a:masterClrMapping/>
+  </p:clrMapOvr>
+</p:sld>
+</file>
+
 <file path=ppt/slides/slide2.xml><?xml version="1.0" encoding="utf-8"?>
 <p:sld xmlns:a="http://schemas.openxmlformats.org/drawingml/2006/main" xmlns:r="http://schemas.openxmlformats.org/officeDocument/2006/relationships" xmlns:p="http://schemas.openxmlformats.org/presentationml/2006/main">
   <p:cSld>
@@ -8435,15 +8866,7 @@
           <a:p>
             <a:r>
               <a:rPr lang="en-US" dirty="0" smtClean="0"/>
-              <a:t>For Admin Panel , admins </a:t>
-            </a:r>
-            <a:r>
-              <a:rPr lang="en-US" dirty="0" smtClean="0"/>
-              <a:t>can </a:t>
-            </a:r>
-            <a:r>
-              <a:rPr lang="en-US" dirty="0" smtClean="0"/>
-              <a:t>insert  data into database , delete data and retrieve data for database.</a:t>
+              <a:t>For Admin Panel , admins can insert  data into database , delete data and retrieve data for database.</a:t>
             </a:r>
           </a:p>
           <a:p>
@@ -8492,6 +8915,250 @@
     <p:extLst>
       <p:ext uri="{BB962C8B-B14F-4D97-AF65-F5344CB8AC3E}">
         <p14:creationId xmlns:p14="http://schemas.microsoft.com/office/powerpoint/2010/main" val="528883258"/>
+      </p:ext>
+    </p:extLst>
+  </p:cSld>
+  <p:clrMapOvr>
+    <a:masterClrMapping/>
+  </p:clrMapOvr>
+</p:sld>
+</file>
+
+<file path=ppt/slides/slide7.xml><?xml version="1.0" encoding="utf-8"?>
+<p:sld xmlns:a="http://schemas.openxmlformats.org/drawingml/2006/main" xmlns:r="http://schemas.openxmlformats.org/officeDocument/2006/relationships" xmlns:p="http://schemas.openxmlformats.org/presentationml/2006/main">
+  <p:cSld>
+    <p:spTree>
+      <p:nvGrpSpPr>
+        <p:cNvPr id="1" name=""/>
+        <p:cNvGrpSpPr/>
+        <p:nvPr/>
+      </p:nvGrpSpPr>
+      <p:grpSpPr>
+        <a:xfrm>
+          <a:off x="0" y="0"/>
+          <a:ext cx="0" cy="0"/>
+          <a:chOff x="0" y="0"/>
+          <a:chExt cx="0" cy="0"/>
+        </a:xfrm>
+      </p:grpSpPr>
+      <p:sp>
+        <p:nvSpPr>
+          <p:cNvPr id="2" name="Title 1"/>
+          <p:cNvSpPr>
+            <a:spLocks noGrp="1"/>
+          </p:cNvSpPr>
+          <p:nvPr>
+            <p:ph type="title"/>
+          </p:nvPr>
+        </p:nvSpPr>
+        <p:spPr/>
+        <p:txBody>
+          <a:bodyPr/>
+          <a:lstStyle/>
+          <a:p>
+            <a:r>
+              <a:rPr lang="en-US" dirty="0" smtClean="0"/>
+              <a:t>Requirement Analysis</a:t>
+            </a:r>
+            <a:endParaRPr lang="en-US" dirty="0"/>
+          </a:p>
+        </p:txBody>
+      </p:sp>
+      <p:sp>
+        <p:nvSpPr>
+          <p:cNvPr id="3" name="Content Placeholder 2"/>
+          <p:cNvSpPr>
+            <a:spLocks noGrp="1"/>
+          </p:cNvSpPr>
+          <p:nvPr>
+            <p:ph idx="1"/>
+          </p:nvPr>
+        </p:nvSpPr>
+        <p:spPr/>
+        <p:txBody>
+          <a:bodyPr/>
+          <a:lstStyle/>
+          <a:p>
+            <a:r>
+              <a:rPr lang="en-US" dirty="0" smtClean="0"/>
+              <a:t>We get all information of data we use in this project from library of computer university </a:t>
+            </a:r>
+            <a:r>
+              <a:rPr lang="en-US" dirty="0" err="1" smtClean="0"/>
+              <a:t>mandalay</a:t>
+            </a:r>
+            <a:r>
+              <a:rPr lang="en-US" dirty="0" smtClean="0"/>
+              <a:t>.</a:t>
+            </a:r>
+            <a:endParaRPr lang="en-US" dirty="0"/>
+          </a:p>
+        </p:txBody>
+      </p:sp>
+    </p:spTree>
+    <p:extLst>
+      <p:ext uri="{BB962C8B-B14F-4D97-AF65-F5344CB8AC3E}">
+        <p14:creationId xmlns:p14="http://schemas.microsoft.com/office/powerpoint/2010/main" val="2620374173"/>
+      </p:ext>
+    </p:extLst>
+  </p:cSld>
+  <p:clrMapOvr>
+    <a:masterClrMapping/>
+  </p:clrMapOvr>
+</p:sld>
+</file>
+
+<file path=ppt/slides/slide8.xml><?xml version="1.0" encoding="utf-8"?>
+<p:sld xmlns:a="http://schemas.openxmlformats.org/drawingml/2006/main" xmlns:r="http://schemas.openxmlformats.org/officeDocument/2006/relationships" xmlns:p="http://schemas.openxmlformats.org/presentationml/2006/main">
+  <p:cSld>
+    <p:spTree>
+      <p:nvGrpSpPr>
+        <p:cNvPr id="1" name=""/>
+        <p:cNvGrpSpPr/>
+        <p:nvPr/>
+      </p:nvGrpSpPr>
+      <p:grpSpPr>
+        <a:xfrm>
+          <a:off x="0" y="0"/>
+          <a:ext cx="0" cy="0"/>
+          <a:chOff x="0" y="0"/>
+          <a:chExt cx="0" cy="0"/>
+        </a:xfrm>
+      </p:grpSpPr>
+      <p:sp>
+        <p:nvSpPr>
+          <p:cNvPr id="2" name="Title 1"/>
+          <p:cNvSpPr>
+            <a:spLocks noGrp="1"/>
+          </p:cNvSpPr>
+          <p:nvPr>
+            <p:ph type="title"/>
+          </p:nvPr>
+        </p:nvSpPr>
+        <p:spPr/>
+        <p:txBody>
+          <a:bodyPr/>
+          <a:lstStyle/>
+          <a:p>
+            <a:r>
+              <a:rPr lang="en-US" dirty="0" smtClean="0"/>
+              <a:t>Background</a:t>
+            </a:r>
+            <a:endParaRPr lang="en-US" dirty="0"/>
+          </a:p>
+        </p:txBody>
+      </p:sp>
+      <p:sp>
+        <p:nvSpPr>
+          <p:cNvPr id="3" name="Content Placeholder 2"/>
+          <p:cNvSpPr>
+            <a:spLocks noGrp="1"/>
+          </p:cNvSpPr>
+          <p:nvPr>
+            <p:ph idx="1"/>
+          </p:nvPr>
+        </p:nvSpPr>
+        <p:spPr/>
+        <p:txBody>
+          <a:bodyPr/>
+          <a:lstStyle/>
+          <a:p>
+            <a:r>
+              <a:rPr lang="en-US" dirty="0" smtClean="0"/>
+              <a:t>Our Software Company has received</a:t>
+            </a:r>
+          </a:p>
+          <a:p>
+            <a:r>
+              <a:rPr lang="en-US" dirty="0" smtClean="0"/>
+              <a:t>Moreover , we want to know the profit and loss of our system.</a:t>
+            </a:r>
+          </a:p>
+          <a:p>
+            <a:r>
+              <a:rPr lang="en-US" dirty="0" smtClean="0"/>
+              <a:t>So there are many processes to develop manual system and it may be more cost ant time waste . So we decide to develop our system to reduce the problem.</a:t>
+            </a:r>
+            <a:endParaRPr lang="en-US" dirty="0"/>
+          </a:p>
+        </p:txBody>
+      </p:sp>
+    </p:spTree>
+    <p:extLst>
+      <p:ext uri="{BB962C8B-B14F-4D97-AF65-F5344CB8AC3E}">
+        <p14:creationId xmlns:p14="http://schemas.microsoft.com/office/powerpoint/2010/main" val="2345461699"/>
+      </p:ext>
+    </p:extLst>
+  </p:cSld>
+  <p:clrMapOvr>
+    <a:masterClrMapping/>
+  </p:clrMapOvr>
+</p:sld>
+</file>
+
+<file path=ppt/slides/slide9.xml><?xml version="1.0" encoding="utf-8"?>
+<p:sld xmlns:a="http://schemas.openxmlformats.org/drawingml/2006/main" xmlns:r="http://schemas.openxmlformats.org/officeDocument/2006/relationships" xmlns:p="http://schemas.openxmlformats.org/presentationml/2006/main">
+  <p:cSld>
+    <p:spTree>
+      <p:nvGrpSpPr>
+        <p:cNvPr id="1" name=""/>
+        <p:cNvGrpSpPr/>
+        <p:nvPr/>
+      </p:nvGrpSpPr>
+      <p:grpSpPr>
+        <a:xfrm>
+          <a:off x="0" y="0"/>
+          <a:ext cx="0" cy="0"/>
+          <a:chOff x="0" y="0"/>
+          <a:chExt cx="0" cy="0"/>
+        </a:xfrm>
+      </p:grpSpPr>
+      <p:sp>
+        <p:nvSpPr>
+          <p:cNvPr id="2" name="Title 1"/>
+          <p:cNvSpPr>
+            <a:spLocks noGrp="1"/>
+          </p:cNvSpPr>
+          <p:nvPr>
+            <p:ph type="title"/>
+          </p:nvPr>
+        </p:nvSpPr>
+        <p:spPr/>
+        <p:txBody>
+          <a:bodyPr/>
+          <a:lstStyle/>
+          <a:p>
+            <a:r>
+              <a:rPr lang="en-US" dirty="0" smtClean="0"/>
+              <a:t>Flowchart Diagram For ETD</a:t>
+            </a:r>
+            <a:endParaRPr lang="en-US" dirty="0"/>
+          </a:p>
+        </p:txBody>
+      </p:sp>
+      <p:sp>
+        <p:nvSpPr>
+          <p:cNvPr id="3" name="Content Placeholder 2"/>
+          <p:cNvSpPr>
+            <a:spLocks noGrp="1"/>
+          </p:cNvSpPr>
+          <p:nvPr>
+            <p:ph idx="1"/>
+          </p:nvPr>
+        </p:nvSpPr>
+        <p:spPr/>
+        <p:txBody>
+          <a:bodyPr/>
+          <a:lstStyle/>
+          <a:p>
+            <a:endParaRPr lang="en-US"/>
+          </a:p>
+        </p:txBody>
+      </p:sp>
+    </p:spTree>
+    <p:extLst>
+      <p:ext uri="{BB962C8B-B14F-4D97-AF65-F5344CB8AC3E}">
+        <p14:creationId xmlns:p14="http://schemas.microsoft.com/office/powerpoint/2010/main" val="1177767577"/>
       </p:ext>
     </p:extLst>
   </p:cSld>

--- a/1.pptx
+++ b/1.pptx
@@ -8028,7 +8028,19 @@
           <a:bodyPr/>
           <a:lstStyle/>
           <a:p>
-            <a:endParaRPr lang="en-US"/>
+            <a:r>
+              <a:rPr lang="en-US" dirty="0" smtClean="0"/>
+              <a:t>The ETD project has provided the opportunity for </a:t>
+            </a:r>
+            <a:r>
+              <a:rPr lang="en-US" dirty="0" err="1" smtClean="0"/>
+              <a:t>fungamental</a:t>
+            </a:r>
+            <a:r>
+              <a:rPr lang="en-US" dirty="0" smtClean="0"/>
+              <a:t> change in the expression of and access to the results and scholarship done by extended to the expression of and research done by faculty.</a:t>
+            </a:r>
+            <a:endParaRPr lang="en-US" dirty="0"/>
           </a:p>
         </p:txBody>
       </p:sp>
@@ -8981,11 +8993,52 @@
           <a:p>
             <a:r>
               <a:rPr lang="en-US" dirty="0" smtClean="0"/>
-              <a:t>We get all information of data we use in this project from library of computer university </a:t>
-            </a:r>
-            <a:r>
-              <a:rPr lang="en-US" dirty="0" err="1" smtClean="0"/>
-              <a:t>mandalay</a:t>
+              <a:t>The description of the services and constraints are the requirements for the system.</a:t>
+            </a:r>
+          </a:p>
+          <a:p>
+            <a:r>
+              <a:rPr lang="en-US" dirty="0" smtClean="0"/>
+              <a:t>Requirement Analysis is the process of deriving the system requirements through observation of existing system ,discussions with potential users and procurers , task analysis.</a:t>
+            </a:r>
+            <a:endParaRPr lang="en-US" dirty="0" smtClean="0"/>
+          </a:p>
+          <a:p>
+            <a:r>
+              <a:rPr lang="en-US" dirty="0" smtClean="0"/>
+              <a:t>We </a:t>
+            </a:r>
+            <a:r>
+              <a:rPr lang="en-US" dirty="0" smtClean="0"/>
+              <a:t>get all information of data we use in this project from library </a:t>
+            </a:r>
+            <a:r>
+              <a:rPr lang="en-US" smtClean="0"/>
+              <a:t>of </a:t>
+            </a:r>
+            <a:r>
+              <a:rPr lang="en-US"/>
+              <a:t>C</a:t>
+            </a:r>
+            <a:r>
+              <a:rPr lang="en-US" smtClean="0"/>
+              <a:t>omputer </a:t>
+            </a:r>
+            <a:r>
+              <a:rPr lang="en-US" dirty="0"/>
+              <a:t>U</a:t>
+            </a:r>
+            <a:r>
+              <a:rPr lang="en-US" dirty="0" smtClean="0"/>
+              <a:t>niversity </a:t>
+            </a:r>
+            <a:r>
+              <a:rPr lang="en-US" dirty="0"/>
+              <a:t>M</a:t>
+            </a:r>
+            <a:r>
+              <a:rPr lang="en-US" dirty="0" smtClean="0"/>
+              <a:t>andalay</a:t>
             </a:r>
             <a:r>
               <a:rPr lang="en-US" dirty="0" smtClean="0"/>

--- a/1.pptx
+++ b/1.pptx
@@ -315,7 +315,7 @@
             <a:fld id="{B61BEF0D-F0BB-DE4B-95CE-6DB70DBA9567}" type="datetimeFigureOut">
               <a:rPr lang="en-US" dirty="0"/>
               <a:pPr/>
-              <a:t>8/24/2018</a:t>
+              <a:t>8/28/2018</a:t>
             </a:fld>
             <a:endParaRPr lang="en-US" dirty="0"/>
           </a:p>
@@ -650,7 +650,7 @@
             <a:fld id="{B61BEF0D-F0BB-DE4B-95CE-6DB70DBA9567}" type="datetimeFigureOut">
               <a:rPr lang="en-US" dirty="0"/>
               <a:pPr/>
-              <a:t>8/24/2018</a:t>
+              <a:t>8/28/2018</a:t>
             </a:fld>
             <a:endParaRPr lang="en-US" dirty="0"/>
           </a:p>
@@ -1048,7 +1048,7 @@
             <a:fld id="{B61BEF0D-F0BB-DE4B-95CE-6DB70DBA9567}" type="datetimeFigureOut">
               <a:rPr lang="en-US" dirty="0"/>
               <a:pPr/>
-              <a:t>8/24/2018</a:t>
+              <a:t>8/28/2018</a:t>
             </a:fld>
             <a:endParaRPr lang="en-US" dirty="0"/>
           </a:p>
@@ -1381,7 +1381,7 @@
             <a:fld id="{B61BEF0D-F0BB-DE4B-95CE-6DB70DBA9567}" type="datetimeFigureOut">
               <a:rPr lang="en-US" dirty="0"/>
               <a:pPr/>
-              <a:t>8/24/2018</a:t>
+              <a:t>8/28/2018</a:t>
             </a:fld>
             <a:endParaRPr lang="en-US" dirty="0"/>
           </a:p>
@@ -1698,7 +1698,7 @@
             <a:fld id="{B61BEF0D-F0BB-DE4B-95CE-6DB70DBA9567}" type="datetimeFigureOut">
               <a:rPr lang="en-US" dirty="0"/>
               <a:pPr/>
-              <a:t>8/24/2018</a:t>
+              <a:t>8/28/2018</a:t>
             </a:fld>
             <a:endParaRPr lang="en-US" dirty="0"/>
           </a:p>
@@ -2091,7 +2091,7 @@
             <a:fld id="{B61BEF0D-F0BB-DE4B-95CE-6DB70DBA9567}" type="datetimeFigureOut">
               <a:rPr lang="en-US" dirty="0"/>
               <a:pPr/>
-              <a:t>8/24/2018</a:t>
+              <a:t>8/28/2018</a:t>
             </a:fld>
             <a:endParaRPr lang="en-US" dirty="0"/>
           </a:p>
@@ -2345,7 +2345,7 @@
             <a:fld id="{B61BEF0D-F0BB-DE4B-95CE-6DB70DBA9567}" type="datetimeFigureOut">
               <a:rPr lang="en-US" dirty="0"/>
               <a:pPr/>
-              <a:t>8/24/2018</a:t>
+              <a:t>8/28/2018</a:t>
             </a:fld>
             <a:endParaRPr lang="en-US" dirty="0"/>
           </a:p>
@@ -2604,7 +2604,7 @@
             <a:fld id="{B61BEF0D-F0BB-DE4B-95CE-6DB70DBA9567}" type="datetimeFigureOut">
               <a:rPr lang="en-US" dirty="0"/>
               <a:pPr/>
-              <a:t>8/24/2018</a:t>
+              <a:t>8/28/2018</a:t>
             </a:fld>
             <a:endParaRPr lang="en-US" dirty="0"/>
           </a:p>
@@ -2863,7 +2863,7 @@
             <a:fld id="{B61BEF0D-F0BB-DE4B-95CE-6DB70DBA9567}" type="datetimeFigureOut">
               <a:rPr lang="en-US" dirty="0"/>
               <a:pPr/>
-              <a:t>8/24/2018</a:t>
+              <a:t>8/28/2018</a:t>
             </a:fld>
             <a:endParaRPr lang="en-US" dirty="0"/>
           </a:p>
@@ -3189,7 +3189,7 @@
             <a:fld id="{B61BEF0D-F0BB-DE4B-95CE-6DB70DBA9567}" type="datetimeFigureOut">
               <a:rPr lang="en-US" dirty="0"/>
               <a:pPr/>
-              <a:t>8/24/2018</a:t>
+              <a:t>8/28/2018</a:t>
             </a:fld>
             <a:endParaRPr lang="en-US" dirty="0"/>
           </a:p>
@@ -3509,7 +3509,7 @@
             <a:fld id="{B61BEF0D-F0BB-DE4B-95CE-6DB70DBA9567}" type="datetimeFigureOut">
               <a:rPr lang="en-US" dirty="0"/>
               <a:pPr/>
-              <a:t>8/24/2018</a:t>
+              <a:t>8/28/2018</a:t>
             </a:fld>
             <a:endParaRPr lang="en-US" dirty="0"/>
           </a:p>
@@ -3963,7 +3963,7 @@
             <a:fld id="{B61BEF0D-F0BB-DE4B-95CE-6DB70DBA9567}" type="datetimeFigureOut">
               <a:rPr lang="en-US" dirty="0"/>
               <a:pPr/>
-              <a:t>8/24/2018</a:t>
+              <a:t>8/28/2018</a:t>
             </a:fld>
             <a:endParaRPr lang="en-US" dirty="0"/>
           </a:p>
@@ -4165,7 +4165,7 @@
             <a:fld id="{B61BEF0D-F0BB-DE4B-95CE-6DB70DBA9567}" type="datetimeFigureOut">
               <a:rPr lang="en-US" dirty="0"/>
               <a:pPr/>
-              <a:t>8/24/2018</a:t>
+              <a:t>8/28/2018</a:t>
             </a:fld>
             <a:endParaRPr lang="en-US" dirty="0"/>
           </a:p>
@@ -4339,7 +4339,7 @@
             <a:fld id="{B61BEF0D-F0BB-DE4B-95CE-6DB70DBA9567}" type="datetimeFigureOut">
               <a:rPr lang="en-US" dirty="0"/>
               <a:pPr/>
-              <a:t>8/24/2018</a:t>
+              <a:t>8/28/2018</a:t>
             </a:fld>
             <a:endParaRPr lang="en-US" dirty="0"/>
           </a:p>
@@ -4669,7 +4669,7 @@
             <a:fld id="{B61BEF0D-F0BB-DE4B-95CE-6DB70DBA9567}" type="datetimeFigureOut">
               <a:rPr lang="en-US" dirty="0"/>
               <a:pPr/>
-              <a:t>8/24/2018</a:t>
+              <a:t>8/28/2018</a:t>
             </a:fld>
             <a:endParaRPr lang="en-US" dirty="0"/>
           </a:p>
@@ -5011,7 +5011,7 @@
             <a:fld id="{B61BEF0D-F0BB-DE4B-95CE-6DB70DBA9567}" type="datetimeFigureOut">
               <a:rPr lang="en-US" dirty="0"/>
               <a:pPr/>
-              <a:t>8/24/2018</a:t>
+              <a:t>8/28/2018</a:t>
             </a:fld>
             <a:endParaRPr lang="en-US" dirty="0"/>
           </a:p>
@@ -7125,7 +7125,7 @@
             <a:fld id="{B61BEF0D-F0BB-DE4B-95CE-6DB70DBA9567}" type="datetimeFigureOut">
               <a:rPr lang="en-US" dirty="0"/>
               <a:pPr/>
-              <a:t>8/24/2018</a:t>
+              <a:t>8/28/2018</a:t>
             </a:fld>
             <a:endParaRPr lang="en-US" dirty="0"/>
           </a:p>
@@ -7684,6 +7684,29 @@
 <file path=ppt/slides/slide10.xml><?xml version="1.0" encoding="utf-8"?>
 <p:sld xmlns:a="http://schemas.openxmlformats.org/drawingml/2006/main" xmlns:r="http://schemas.openxmlformats.org/officeDocument/2006/relationships" xmlns:p="http://schemas.openxmlformats.org/presentationml/2006/main">
   <p:cSld>
+    <p:bg>
+      <p:bgPr>
+        <a:gradFill rotWithShape="1">
+          <a:gsLst>
+            <a:gs pos="100000">
+              <a:schemeClr val="bg2">
+                <a:tint val="90000"/>
+                <a:lumMod val="120000"/>
+              </a:schemeClr>
+            </a:gs>
+            <a:gs pos="100000">
+              <a:schemeClr val="bg2">
+                <a:shade val="98000"/>
+                <a:satMod val="120000"/>
+                <a:lumMod val="98000"/>
+              </a:schemeClr>
+            </a:gs>
+          </a:gsLst>
+          <a:lin ang="5400000" scaled="0"/>
+        </a:gradFill>
+        <a:effectLst/>
+      </p:bgPr>
+    </p:bg>
     <p:spTree>
       <p:nvGrpSpPr>
         <p:cNvPr id="1" name=""/>
@@ -7715,31 +7738,57 @@
           <a:p>
             <a:r>
               <a:rPr lang="en-US" dirty="0" smtClean="0"/>
-              <a:t>ER diagram for ETD</a:t>
-            </a:r>
-            <a:endParaRPr lang="en-US" dirty="0"/>
-          </a:p>
-        </p:txBody>
-      </p:sp>
-      <p:sp>
-        <p:nvSpPr>
-          <p:cNvPr id="3" name="Content Placeholder 2"/>
-          <p:cNvSpPr>
-            <a:spLocks noGrp="1"/>
-          </p:cNvSpPr>
+              <a:t>Flow chart </a:t>
+            </a:r>
+            <a:r>
+              <a:rPr lang="en-US" dirty="0" smtClean="0"/>
+              <a:t>diagram </a:t>
+            </a:r>
+            <a:r>
+              <a:rPr lang="en-US" dirty="0" smtClean="0"/>
+              <a:t>for User</a:t>
+            </a:r>
+            <a:endParaRPr lang="en-US" dirty="0"/>
+          </a:p>
+        </p:txBody>
+      </p:sp>
+      <p:pic>
+        <p:nvPicPr>
+          <p:cNvPr id="4" name="Content Placeholder 3" descr="C:\Users\ACER\Documentation\uml\FlowChart for user.png"/>
+          <p:cNvPicPr>
+            <a:picLocks noGrp="1"/>
+          </p:cNvPicPr>
           <p:nvPr>
             <p:ph idx="1"/>
           </p:nvPr>
-        </p:nvSpPr>
-        <p:spPr/>
-        <p:txBody>
-          <a:bodyPr/>
-          <a:lstStyle/>
-          <a:p>
-            <a:endParaRPr lang="en-US"/>
-          </a:p>
-        </p:txBody>
-      </p:sp>
+        </p:nvPicPr>
+        <p:blipFill>
+          <a:blip r:embed="rId2">
+            <a:extLst>
+              <a:ext uri="{28A0092B-C50C-407E-A947-70E740481C1C}">
+                <a14:useLocalDpi xmlns:a14="http://schemas.microsoft.com/office/drawing/2010/main" val="0"/>
+              </a:ext>
+            </a:extLst>
+          </a:blip>
+          <a:srcRect/>
+          <a:stretch>
+            <a:fillRect/>
+          </a:stretch>
+        </p:blipFill>
+        <p:spPr bwMode="auto">
+          <a:xfrm>
+            <a:off x="2777067" y="1825978"/>
+            <a:ext cx="4538133" cy="4953000"/>
+          </a:xfrm>
+          <a:prstGeom prst="rect">
+            <a:avLst/>
+          </a:prstGeom>
+          <a:noFill/>
+          <a:ln>
+            <a:noFill/>
+          </a:ln>
+        </p:spPr>
+      </p:pic>
     </p:spTree>
     <p:extLst>
       <p:ext uri="{BB962C8B-B14F-4D97-AF65-F5344CB8AC3E}">
@@ -7756,6 +7805,29 @@
 <file path=ppt/slides/slide11.xml><?xml version="1.0" encoding="utf-8"?>
 <p:sld xmlns:a="http://schemas.openxmlformats.org/drawingml/2006/main" xmlns:r="http://schemas.openxmlformats.org/officeDocument/2006/relationships" xmlns:p="http://schemas.openxmlformats.org/presentationml/2006/main">
   <p:cSld>
+    <p:bg>
+      <p:bgPr>
+        <a:gradFill rotWithShape="1">
+          <a:gsLst>
+            <a:gs pos="100000">
+              <a:schemeClr val="bg2">
+                <a:tint val="90000"/>
+                <a:lumMod val="120000"/>
+              </a:schemeClr>
+            </a:gs>
+            <a:gs pos="100000">
+              <a:schemeClr val="bg2">
+                <a:shade val="98000"/>
+                <a:satMod val="120000"/>
+                <a:lumMod val="98000"/>
+              </a:schemeClr>
+            </a:gs>
+          </a:gsLst>
+          <a:lin ang="5400000" scaled="0"/>
+        </a:gradFill>
+        <a:effectLst/>
+      </p:bgPr>
+    </p:bg>
     <p:spTree>
       <p:nvGrpSpPr>
         <p:cNvPr id="1" name=""/>
@@ -7780,7 +7852,12 @@
             <p:ph type="title"/>
           </p:nvPr>
         </p:nvSpPr>
-        <p:spPr/>
+        <p:spPr>
+          <a:xfrm>
+            <a:off x="2325512" y="183843"/>
+            <a:ext cx="8987190" cy="729864"/>
+          </a:xfrm>
+        </p:spPr>
         <p:txBody>
           <a:bodyPr/>
           <a:lstStyle/>
@@ -7793,25 +7870,32 @@
           </a:p>
         </p:txBody>
       </p:sp>
-      <p:sp>
-        <p:nvSpPr>
-          <p:cNvPr id="3" name="Content Placeholder 2"/>
-          <p:cNvSpPr>
-            <a:spLocks noGrp="1"/>
-          </p:cNvSpPr>
+      <p:pic>
+        <p:nvPicPr>
+          <p:cNvPr id="4" name="Content Placeholder 3"/>
+          <p:cNvPicPr>
+            <a:picLocks noGrp="1" noChangeAspect="1"/>
+          </p:cNvPicPr>
           <p:nvPr>
             <p:ph idx="1"/>
           </p:nvPr>
-        </p:nvSpPr>
-        <p:spPr/>
-        <p:txBody>
-          <a:bodyPr/>
-          <a:lstStyle/>
-          <a:p>
-            <a:endParaRPr lang="en-US"/>
-          </a:p>
-        </p:txBody>
-      </p:sp>
+        </p:nvPicPr>
+        <p:blipFill>
+          <a:blip r:embed="rId2"/>
+          <a:stretch>
+            <a:fillRect/>
+          </a:stretch>
+        </p:blipFill>
+        <p:spPr>
+          <a:xfrm>
+            <a:off x="2189516" y="993422"/>
+            <a:ext cx="6654178" cy="5864578"/>
+          </a:xfrm>
+          <a:prstGeom prst="rect">
+            <a:avLst/>
+          </a:prstGeom>
+        </p:spPr>
+      </p:pic>
     </p:spTree>
     <p:extLst>
       <p:ext uri="{BB962C8B-B14F-4D97-AF65-F5344CB8AC3E}">
@@ -7828,6 +7912,29 @@
 <file path=ppt/slides/slide12.xml><?xml version="1.0" encoding="utf-8"?>
 <p:sld xmlns:a="http://schemas.openxmlformats.org/drawingml/2006/main" xmlns:r="http://schemas.openxmlformats.org/officeDocument/2006/relationships" xmlns:p="http://schemas.openxmlformats.org/presentationml/2006/main">
   <p:cSld>
+    <p:bg>
+      <p:bgPr>
+        <a:gradFill rotWithShape="1">
+          <a:gsLst>
+            <a:gs pos="100000">
+              <a:schemeClr val="bg2">
+                <a:tint val="90000"/>
+                <a:lumMod val="120000"/>
+              </a:schemeClr>
+            </a:gs>
+            <a:gs pos="100000">
+              <a:schemeClr val="bg2">
+                <a:shade val="98000"/>
+                <a:satMod val="120000"/>
+                <a:lumMod val="98000"/>
+              </a:schemeClr>
+            </a:gs>
+          </a:gsLst>
+          <a:lin ang="5400000" scaled="0"/>
+        </a:gradFill>
+        <a:effectLst/>
+      </p:bgPr>
+    </p:bg>
     <p:spTree>
       <p:nvGrpSpPr>
         <p:cNvPr id="1" name=""/>
@@ -7852,7 +7959,12 @@
             <p:ph type="title"/>
           </p:nvPr>
         </p:nvSpPr>
-        <p:spPr/>
+        <p:spPr>
+          <a:xfrm>
+            <a:off x="2370666" y="172555"/>
+            <a:ext cx="8704968" cy="798290"/>
+          </a:xfrm>
+        </p:spPr>
         <p:txBody>
           <a:bodyPr/>
           <a:lstStyle/>
@@ -7865,25 +7977,38 @@
           </a:p>
         </p:txBody>
       </p:sp>
-      <p:sp>
-        <p:nvSpPr>
-          <p:cNvPr id="3" name="Content Placeholder 2"/>
-          <p:cNvSpPr>
-            <a:spLocks noGrp="1"/>
-          </p:cNvSpPr>
+      <p:pic>
+        <p:nvPicPr>
+          <p:cNvPr id="4" name="Content Placeholder 3"/>
+          <p:cNvPicPr>
+            <a:picLocks noGrp="1"/>
+          </p:cNvPicPr>
           <p:nvPr>
             <p:ph idx="1"/>
           </p:nvPr>
-        </p:nvSpPr>
-        <p:spPr/>
-        <p:txBody>
-          <a:bodyPr/>
-          <a:lstStyle/>
-          <a:p>
-            <a:endParaRPr lang="en-US"/>
-          </a:p>
-        </p:txBody>
-      </p:sp>
+        </p:nvPicPr>
+        <p:blipFill>
+          <a:blip r:embed="rId2">
+            <a:extLst>
+              <a:ext uri="{28A0092B-C50C-407E-A947-70E740481C1C}">
+                <a14:useLocalDpi xmlns:a14="http://schemas.microsoft.com/office/drawing/2010/main" val="0"/>
+              </a:ext>
+            </a:extLst>
+          </a:blip>
+          <a:stretch>
+            <a:fillRect/>
+          </a:stretch>
+        </p:blipFill>
+        <p:spPr>
+          <a:xfrm>
+            <a:off x="3328988" y="1185863"/>
+            <a:ext cx="5486400" cy="5672137"/>
+          </a:xfrm>
+          <a:prstGeom prst="rect">
+            <a:avLst/>
+          </a:prstGeom>
+        </p:spPr>
+      </p:pic>
     </p:spTree>
     <p:extLst>
       <p:ext uri="{BB962C8B-B14F-4D97-AF65-F5344CB8AC3E}">
@@ -8030,15 +8155,21 @@
           <a:p>
             <a:r>
               <a:rPr lang="en-US" dirty="0" smtClean="0"/>
-              <a:t>The ETD project has provided the opportunity for </a:t>
+              <a:t>The ETD project has provided the opportunity for fundamental change in the expression of and access to the results and scholarship done by student in research universities around the world.</a:t>
+            </a:r>
+          </a:p>
+          <a:p>
+            <a:r>
+              <a:rPr lang="en-US" dirty="0" smtClean="0"/>
+              <a:t>These tools also can easily be extended to the expression of and </a:t>
             </a:r>
             <a:r>
               <a:rPr lang="en-US" dirty="0" err="1" smtClean="0"/>
-              <a:t>fungamental</a:t>
+              <a:t>acess</a:t>
             </a:r>
             <a:r>
               <a:rPr lang="en-US" dirty="0" smtClean="0"/>
-              <a:t> change in the expression of and access to the results and scholarship done by extended to the expression of and research done by faculty.</a:t>
+              <a:t> to research done by faculty.</a:t>
             </a:r>
             <a:endParaRPr lang="en-US" dirty="0"/>
           </a:p>
@@ -9001,16 +9132,11 @@
               <a:rPr lang="en-US" dirty="0" smtClean="0"/>
               <a:t>Requirement Analysis is the process of deriving the system requirements through observation of existing system ,discussions with potential users and procurers , task analysis.</a:t>
             </a:r>
-            <a:endParaRPr lang="en-US" dirty="0" smtClean="0"/>
           </a:p>
           <a:p>
             <a:r>
               <a:rPr lang="en-US" dirty="0" smtClean="0"/>
-              <a:t>We </a:t>
-            </a:r>
-            <a:r>
-              <a:rPr lang="en-US" dirty="0" smtClean="0"/>
-              <a:t>get all information of data we use in this project from library </a:t>
+              <a:t>We get all information of data we use in this project from library </a:t>
             </a:r>
             <a:r>
               <a:rPr lang="en-US" smtClean="0"/>
@@ -9038,11 +9164,7 @@
             </a:r>
             <a:r>
               <a:rPr lang="en-US" dirty="0" smtClean="0"/>
-              <a:t>andalay</a:t>
-            </a:r>
-            <a:r>
-              <a:rPr lang="en-US" dirty="0" smtClean="0"/>
-              <a:t>.</a:t>
+              <a:t>andalay.</a:t>
             </a:r>
             <a:endParaRPr lang="en-US" dirty="0"/>
           </a:p>
@@ -9152,6 +9274,29 @@
 <file path=ppt/slides/slide9.xml><?xml version="1.0" encoding="utf-8"?>
 <p:sld xmlns:a="http://schemas.openxmlformats.org/drawingml/2006/main" xmlns:r="http://schemas.openxmlformats.org/officeDocument/2006/relationships" xmlns:p="http://schemas.openxmlformats.org/presentationml/2006/main">
   <p:cSld>
+    <p:bg>
+      <p:bgPr>
+        <a:gradFill rotWithShape="1">
+          <a:gsLst>
+            <a:gs pos="100000">
+              <a:schemeClr val="bg2">
+                <a:tint val="90000"/>
+                <a:lumMod val="120000"/>
+              </a:schemeClr>
+            </a:gs>
+            <a:gs pos="100000">
+              <a:schemeClr val="bg2">
+                <a:shade val="98000"/>
+                <a:satMod val="120000"/>
+                <a:lumMod val="98000"/>
+              </a:schemeClr>
+            </a:gs>
+          </a:gsLst>
+          <a:lin ang="5400000" scaled="0"/>
+        </a:gradFill>
+        <a:effectLst/>
+      </p:bgPr>
+    </p:bg>
     <p:spTree>
       <p:nvGrpSpPr>
         <p:cNvPr id="1" name=""/>
@@ -9176,38 +9321,65 @@
             <p:ph type="title"/>
           </p:nvPr>
         </p:nvSpPr>
-        <p:spPr/>
+        <p:spPr>
+          <a:xfrm>
+            <a:off x="2167467" y="82243"/>
+            <a:ext cx="8953323" cy="707979"/>
+          </a:xfrm>
+        </p:spPr>
         <p:txBody>
           <a:bodyPr/>
           <a:lstStyle/>
           <a:p>
             <a:r>
               <a:rPr lang="en-US" dirty="0" smtClean="0"/>
-              <a:t>Flowchart Diagram For ETD</a:t>
-            </a:r>
-            <a:endParaRPr lang="en-US" dirty="0"/>
-          </a:p>
-        </p:txBody>
-      </p:sp>
-      <p:sp>
-        <p:nvSpPr>
-          <p:cNvPr id="3" name="Content Placeholder 2"/>
-          <p:cNvSpPr>
-            <a:spLocks noGrp="1"/>
-          </p:cNvSpPr>
+              <a:t>Flowchart Diagram For </a:t>
+            </a:r>
+            <a:r>
+              <a:rPr lang="en-US" dirty="0" smtClean="0"/>
+              <a:t>Admin</a:t>
+            </a:r>
+            <a:endParaRPr lang="en-US" dirty="0"/>
+          </a:p>
+        </p:txBody>
+      </p:sp>
+      <p:pic>
+        <p:nvPicPr>
+          <p:cNvPr id="4" name="Content Placeholder 3" descr="C:\Users\ACER\Documentation\uml\FlowChart for admin.png"/>
+          <p:cNvPicPr>
+            <a:picLocks noGrp="1"/>
+          </p:cNvPicPr>
           <p:nvPr>
             <p:ph idx="1"/>
           </p:nvPr>
-        </p:nvSpPr>
-        <p:spPr/>
-        <p:txBody>
-          <a:bodyPr/>
-          <a:lstStyle/>
-          <a:p>
-            <a:endParaRPr lang="en-US"/>
-          </a:p>
-        </p:txBody>
-      </p:sp>
+        </p:nvPicPr>
+        <p:blipFill>
+          <a:blip r:embed="rId2">
+            <a:extLst>
+              <a:ext uri="{28A0092B-C50C-407E-A947-70E740481C1C}">
+                <a14:useLocalDpi xmlns:a14="http://schemas.microsoft.com/office/drawing/2010/main" val="0"/>
+              </a:ext>
+            </a:extLst>
+          </a:blip>
+          <a:srcRect/>
+          <a:stretch>
+            <a:fillRect/>
+          </a:stretch>
+        </p:blipFill>
+        <p:spPr bwMode="auto">
+          <a:xfrm>
+            <a:off x="2167467" y="790223"/>
+            <a:ext cx="6897511" cy="5988756"/>
+          </a:xfrm>
+          <a:prstGeom prst="rect">
+            <a:avLst/>
+          </a:prstGeom>
+          <a:noFill/>
+          <a:ln>
+            <a:noFill/>
+          </a:ln>
+        </p:spPr>
+      </p:pic>
     </p:spTree>
     <p:extLst>
       <p:ext uri="{BB962C8B-B14F-4D97-AF65-F5344CB8AC3E}">
